--- a/ppts/5054_s12_qp_11_mcq.pptx
+++ b/ppts/5054_s12_qp_11_mcq.pptx
@@ -3236,7 +3236,7 @@
         <p:spPr>
           <a:xfrm>
             <a:off x="365760" y="731520"/>
-            <a:ext cx="8229600" cy="5861804"/>
+            <a:ext cx="7583912" cy="5943600"/>
           </a:xfrm>
           <a:prstGeom prst="rect">
             <a:avLst/>
@@ -3313,7 +3313,7 @@
         <p:spPr>
           <a:xfrm>
             <a:off x="365760" y="731520"/>
-            <a:ext cx="8229600" cy="2001952"/>
+            <a:ext cx="8229600" cy="2503899"/>
           </a:xfrm>
           <a:prstGeom prst="rect">
             <a:avLst/>
@@ -3390,7 +3390,7 @@
         <p:spPr>
           <a:xfrm>
             <a:off x="365760" y="731520"/>
-            <a:ext cx="8229600" cy="5118335"/>
+            <a:ext cx="8229600" cy="5789392"/>
           </a:xfrm>
           <a:prstGeom prst="rect">
             <a:avLst/>
@@ -3467,7 +3467,7 @@
         <p:spPr>
           <a:xfrm>
             <a:off x="365760" y="731520"/>
-            <a:ext cx="8229600" cy="5796950"/>
+            <a:ext cx="7725060" cy="5943600"/>
           </a:xfrm>
           <a:prstGeom prst="rect">
             <a:avLst/>
@@ -3544,7 +3544,7 @@
         <p:spPr>
           <a:xfrm>
             <a:off x="365760" y="731520"/>
-            <a:ext cx="8229600" cy="5548662"/>
+            <a:ext cx="8072087" cy="5943600"/>
           </a:xfrm>
           <a:prstGeom prst="rect">
             <a:avLst/>
@@ -3621,7 +3621,7 @@
         <p:spPr>
           <a:xfrm>
             <a:off x="365760" y="731520"/>
-            <a:ext cx="8229600" cy="3672259"/>
+            <a:ext cx="8229600" cy="4216501"/>
           </a:xfrm>
           <a:prstGeom prst="rect">
             <a:avLst/>
@@ -3698,7 +3698,7 @@
         <p:spPr>
           <a:xfrm>
             <a:off x="365760" y="731520"/>
-            <a:ext cx="8229600" cy="2536559"/>
+            <a:ext cx="8229600" cy="3042733"/>
           </a:xfrm>
           <a:prstGeom prst="rect">
             <a:avLst/>
@@ -3775,7 +3775,7 @@
         <p:spPr>
           <a:xfrm>
             <a:off x="365760" y="731520"/>
-            <a:ext cx="8229600" cy="5182047"/>
+            <a:ext cx="8229600" cy="5726253"/>
           </a:xfrm>
           <a:prstGeom prst="rect">
             <a:avLst/>
@@ -3852,7 +3852,7 @@
         <p:spPr>
           <a:xfrm>
             <a:off x="365760" y="731520"/>
-            <a:ext cx="8229600" cy="2851904"/>
+            <a:ext cx="8229600" cy="3421006"/>
           </a:xfrm>
           <a:prstGeom prst="rect">
             <a:avLst/>
@@ -3929,7 +3929,7 @@
         <p:spPr>
           <a:xfrm>
             <a:off x="365760" y="731520"/>
-            <a:ext cx="8229600" cy="3021548"/>
+            <a:ext cx="8229600" cy="3515983"/>
           </a:xfrm>
           <a:prstGeom prst="rect">
             <a:avLst/>
@@ -4006,7 +4006,7 @@
         <p:spPr>
           <a:xfrm>
             <a:off x="365760" y="731520"/>
-            <a:ext cx="7694238" cy="5943600"/>
+            <a:ext cx="6995416" cy="5943600"/>
           </a:xfrm>
           <a:prstGeom prst="rect">
             <a:avLst/>
@@ -4083,7 +4083,7 @@
         <p:spPr>
           <a:xfrm>
             <a:off x="365760" y="731520"/>
-            <a:ext cx="8229600" cy="4454974"/>
+            <a:ext cx="8229600" cy="5056820"/>
           </a:xfrm>
           <a:prstGeom prst="rect">
             <a:avLst/>
@@ -4160,7 +4160,7 @@
         <p:spPr>
           <a:xfrm>
             <a:off x="365760" y="731520"/>
-            <a:ext cx="8229600" cy="2697418"/>
+            <a:ext cx="8229600" cy="3186360"/>
           </a:xfrm>
           <a:prstGeom prst="rect">
             <a:avLst/>
@@ -4237,7 +4237,7 @@
         <p:spPr>
           <a:xfrm>
             <a:off x="365760" y="731520"/>
-            <a:ext cx="8229600" cy="1851187"/>
+            <a:ext cx="8229600" cy="2430471"/>
           </a:xfrm>
           <a:prstGeom prst="rect">
             <a:avLst/>
@@ -4314,7 +4314,7 @@
         <p:spPr>
           <a:xfrm>
             <a:off x="365760" y="731520"/>
-            <a:ext cx="6736893" cy="5943600"/>
+            <a:ext cx="6115316" cy="5943600"/>
           </a:xfrm>
           <a:prstGeom prst="rect">
             <a:avLst/>
@@ -4391,7 +4391,7 @@
         <p:spPr>
           <a:xfrm>
             <a:off x="365760" y="731520"/>
-            <a:ext cx="8229600" cy="2054653"/>
+            <a:ext cx="8229600" cy="2538100"/>
           </a:xfrm>
           <a:prstGeom prst="rect">
             <a:avLst/>
@@ -4468,7 +4468,7 @@
         <p:spPr>
           <a:xfrm>
             <a:off x="365760" y="731520"/>
-            <a:ext cx="8229600" cy="3333750"/>
+            <a:ext cx="8229600" cy="3905250"/>
           </a:xfrm>
           <a:prstGeom prst="rect">
             <a:avLst/>
@@ -4545,7 +4545,7 @@
         <p:spPr>
           <a:xfrm>
             <a:off x="365760" y="731520"/>
-            <a:ext cx="8229600" cy="3734135"/>
+            <a:ext cx="8229600" cy="4386703"/>
           </a:xfrm>
           <a:prstGeom prst="rect">
             <a:avLst/>
@@ -4622,7 +4622,7 @@
         <p:spPr>
           <a:xfrm>
             <a:off x="365760" y="731520"/>
-            <a:ext cx="8229600" cy="5405825"/>
+            <a:ext cx="8229600" cy="5911248"/>
           </a:xfrm>
           <a:prstGeom prst="rect">
             <a:avLst/>
@@ -4699,7 +4699,7 @@
         <p:spPr>
           <a:xfrm>
             <a:off x="365760" y="731520"/>
-            <a:ext cx="8229600" cy="3205468"/>
+            <a:ext cx="8229600" cy="3746809"/>
           </a:xfrm>
           <a:prstGeom prst="rect">
             <a:avLst/>
@@ -4776,7 +4776,7 @@
         <p:spPr>
           <a:xfrm>
             <a:off x="365760" y="731520"/>
-            <a:ext cx="8229600" cy="5620080"/>
+            <a:ext cx="7907204" cy="5943600"/>
           </a:xfrm>
           <a:prstGeom prst="rect">
             <a:avLst/>
@@ -4853,7 +4853,7 @@
         <p:spPr>
           <a:xfrm>
             <a:off x="365760" y="731520"/>
-            <a:ext cx="8229600" cy="3121286"/>
+            <a:ext cx="8229600" cy="3841583"/>
           </a:xfrm>
           <a:prstGeom prst="rect">
             <a:avLst/>
@@ -4930,7 +4930,7 @@
         <p:spPr>
           <a:xfrm>
             <a:off x="365760" y="731520"/>
-            <a:ext cx="8229600" cy="4271322"/>
+            <a:ext cx="8229600" cy="4932194"/>
           </a:xfrm>
           <a:prstGeom prst="rect">
             <a:avLst/>
@@ -5007,7 +5007,7 @@
         <p:spPr>
           <a:xfrm>
             <a:off x="365760" y="731520"/>
-            <a:ext cx="7483467" cy="5943600"/>
+            <a:ext cx="6748192" cy="5943600"/>
           </a:xfrm>
           <a:prstGeom prst="rect">
             <a:avLst/>
@@ -5084,7 +5084,7 @@
         <p:spPr>
           <a:xfrm>
             <a:off x="365760" y="731520"/>
-            <a:ext cx="8229600" cy="1885194"/>
+            <a:ext cx="8229600" cy="2566765"/>
           </a:xfrm>
           <a:prstGeom prst="rect">
             <a:avLst/>
@@ -5161,7 +5161,7 @@
         <p:spPr>
           <a:xfrm>
             <a:off x="365760" y="731520"/>
-            <a:ext cx="8229600" cy="3231832"/>
+            <a:ext cx="8229600" cy="3977639"/>
           </a:xfrm>
           <a:prstGeom prst="rect">
             <a:avLst/>
@@ -5238,7 +5238,7 @@
         <p:spPr>
           <a:xfrm>
             <a:off x="365760" y="731520"/>
-            <a:ext cx="8229600" cy="3732112"/>
+            <a:ext cx="8229600" cy="4380858"/>
           </a:xfrm>
           <a:prstGeom prst="rect">
             <a:avLst/>
@@ -5315,7 +5315,7 @@
         <p:spPr>
           <a:xfrm>
             <a:off x="365760" y="731520"/>
-            <a:ext cx="8229600" cy="3081979"/>
+            <a:ext cx="8229600" cy="3576414"/>
           </a:xfrm>
           <a:prstGeom prst="rect">
             <a:avLst/>
@@ -5392,7 +5392,7 @@
         <p:spPr>
           <a:xfrm>
             <a:off x="365760" y="731520"/>
-            <a:ext cx="7741238" cy="5943600"/>
+            <a:ext cx="7050458" cy="5943600"/>
           </a:xfrm>
           <a:prstGeom prst="rect">
             <a:avLst/>
@@ -5469,7 +5469,7 @@
         <p:spPr>
           <a:xfrm>
             <a:off x="365760" y="731520"/>
-            <a:ext cx="8229600" cy="2263414"/>
+            <a:ext cx="8229600" cy="2741368"/>
           </a:xfrm>
           <a:prstGeom prst="rect">
             <a:avLst/>
@@ -5546,7 +5546,7 @@
         <p:spPr>
           <a:xfrm>
             <a:off x="365760" y="731520"/>
-            <a:ext cx="8229600" cy="3497811"/>
+            <a:ext cx="8229600" cy="4304999"/>
           </a:xfrm>
           <a:prstGeom prst="rect">
             <a:avLst/>
@@ -5623,7 +5623,7 @@
         <p:spPr>
           <a:xfrm>
             <a:off x="365760" y="731520"/>
-            <a:ext cx="8229600" cy="1948533"/>
+            <a:ext cx="8229600" cy="2598044"/>
           </a:xfrm>
           <a:prstGeom prst="rect">
             <a:avLst/>
@@ -5700,7 +5700,7 @@
         <p:spPr>
           <a:xfrm>
             <a:off x="365760" y="731520"/>
-            <a:ext cx="8229600" cy="4263451"/>
+            <a:ext cx="8229600" cy="4832755"/>
           </a:xfrm>
           <a:prstGeom prst="rect">
             <a:avLst/>
@@ -5777,7 +5777,7 @@
         <p:spPr>
           <a:xfrm>
             <a:off x="365760" y="731520"/>
-            <a:ext cx="8229600" cy="2836477"/>
+            <a:ext cx="8229600" cy="3402500"/>
           </a:xfrm>
           <a:prstGeom prst="rect">
             <a:avLst/>
@@ -5854,7 +5854,7 @@
         <p:spPr>
           <a:xfrm>
             <a:off x="365760" y="731520"/>
-            <a:ext cx="8229600" cy="1829410"/>
+            <a:ext cx="8229600" cy="2307364"/>
           </a:xfrm>
           <a:prstGeom prst="rect">
             <a:avLst/>
@@ -5931,7 +5931,7 @@
         <p:spPr>
           <a:xfrm>
             <a:off x="365760" y="731520"/>
-            <a:ext cx="8229600" cy="2990110"/>
+            <a:ext cx="8229600" cy="3635702"/>
           </a:xfrm>
           <a:prstGeom prst="rect">
             <a:avLst/>
@@ -6008,7 +6008,7 @@
         <p:spPr>
           <a:xfrm>
             <a:off x="365760" y="731520"/>
-            <a:ext cx="8229600" cy="2471650"/>
+            <a:ext cx="8229600" cy="2964872"/>
           </a:xfrm>
           <a:prstGeom prst="rect">
             <a:avLst/>
@@ -6085,7 +6085,7 @@
         <p:spPr>
           <a:xfrm>
             <a:off x="365760" y="731520"/>
-            <a:ext cx="8229600" cy="1604167"/>
+            <a:ext cx="8229600" cy="2137059"/>
           </a:xfrm>
           <a:prstGeom prst="rect">
             <a:avLst/>
@@ -6162,7 +6162,7 @@
         <p:spPr>
           <a:xfrm>
             <a:off x="365760" y="731520"/>
-            <a:ext cx="8229600" cy="3906038"/>
+            <a:ext cx="8229600" cy="4455410"/>
           </a:xfrm>
           <a:prstGeom prst="rect">
             <a:avLst/>
@@ -6239,7 +6239,7 @@
         <p:spPr>
           <a:xfrm>
             <a:off x="365760" y="731520"/>
-            <a:ext cx="8229600" cy="3601179"/>
+            <a:ext cx="8229600" cy="4126473"/>
           </a:xfrm>
           <a:prstGeom prst="rect">
             <a:avLst/>

--- a/ppts/5054_s12_qp_11_mcq.pptx
+++ b/ppts/5054_s12_qp_11_mcq.pptx
@@ -3236,7 +3236,7 @@
         <p:spPr>
           <a:xfrm>
             <a:off x="365760" y="731520"/>
-            <a:ext cx="7583912" cy="5943600"/>
+            <a:ext cx="8229600" cy="5622201"/>
           </a:xfrm>
           <a:prstGeom prst="rect">
             <a:avLst/>
@@ -3313,7 +3313,7 @@
         <p:spPr>
           <a:xfrm>
             <a:off x="365760" y="731520"/>
-            <a:ext cx="8229600" cy="2503899"/>
+            <a:ext cx="8229600" cy="1765425"/>
           </a:xfrm>
           <a:prstGeom prst="rect">
             <a:avLst/>
@@ -3390,7 +3390,7 @@
         <p:spPr>
           <a:xfrm>
             <a:off x="365760" y="731520"/>
-            <a:ext cx="8229600" cy="5789392"/>
+            <a:ext cx="8229600" cy="4400361"/>
           </a:xfrm>
           <a:prstGeom prst="rect">
             <a:avLst/>
@@ -3467,7 +3467,7 @@
         <p:spPr>
           <a:xfrm>
             <a:off x="365760" y="731520"/>
-            <a:ext cx="7725060" cy="5943600"/>
+            <a:ext cx="8229600" cy="5187635"/>
           </a:xfrm>
           <a:prstGeom prst="rect">
             <a:avLst/>
@@ -3544,7 +3544,7 @@
         <p:spPr>
           <a:xfrm>
             <a:off x="365760" y="731520"/>
-            <a:ext cx="8072087" cy="5943600"/>
+            <a:ext cx="8229600" cy="5231092"/>
           </a:xfrm>
           <a:prstGeom prst="rect">
             <a:avLst/>
@@ -3621,7 +3621,7 @@
         <p:spPr>
           <a:xfrm>
             <a:off x="365760" y="731520"/>
-            <a:ext cx="8229600" cy="4216501"/>
+            <a:ext cx="8229600" cy="3405913"/>
           </a:xfrm>
           <a:prstGeom prst="rect">
             <a:avLst/>
@@ -3698,7 +3698,7 @@
         <p:spPr>
           <a:xfrm>
             <a:off x="365760" y="731520"/>
-            <a:ext cx="8229600" cy="3042733"/>
+            <a:ext cx="8229600" cy="2145671"/>
           </a:xfrm>
           <a:prstGeom prst="rect">
             <a:avLst/>
@@ -3775,7 +3775,7 @@
         <p:spPr>
           <a:xfrm>
             <a:off x="365760" y="731520"/>
-            <a:ext cx="8229600" cy="5726253"/>
+            <a:ext cx="8229600" cy="4689987"/>
           </a:xfrm>
           <a:prstGeom prst="rect">
             <a:avLst/>
@@ -3852,7 +3852,7 @@
         <p:spPr>
           <a:xfrm>
             <a:off x="365760" y="731520"/>
-            <a:ext cx="8229600" cy="3421006"/>
+            <a:ext cx="8229600" cy="2258993"/>
           </a:xfrm>
           <a:prstGeom prst="rect">
             <a:avLst/>
@@ -3929,7 +3929,7 @@
         <p:spPr>
           <a:xfrm>
             <a:off x="365760" y="731520"/>
-            <a:ext cx="8229600" cy="3515983"/>
+            <a:ext cx="8229600" cy="2716039"/>
           </a:xfrm>
           <a:prstGeom prst="rect">
             <a:avLst/>
@@ -4006,7 +4006,7 @@
         <p:spPr>
           <a:xfrm>
             <a:off x="365760" y="731520"/>
-            <a:ext cx="6995416" cy="5943600"/>
+            <a:ext cx="8229600" cy="5441008"/>
           </a:xfrm>
           <a:prstGeom prst="rect">
             <a:avLst/>
@@ -4083,7 +4083,7 @@
         <p:spPr>
           <a:xfrm>
             <a:off x="365760" y="731520"/>
-            <a:ext cx="8229600" cy="5056820"/>
+            <a:ext cx="8229600" cy="3788608"/>
           </a:xfrm>
           <a:prstGeom prst="rect">
             <a:avLst/>
@@ -4160,7 +4160,7 @@
         <p:spPr>
           <a:xfrm>
             <a:off x="365760" y="731520"/>
-            <a:ext cx="8229600" cy="3186360"/>
+            <a:ext cx="8229600" cy="2352090"/>
           </a:xfrm>
           <a:prstGeom prst="rect">
             <a:avLst/>
@@ -4237,7 +4237,7 @@
         <p:spPr>
           <a:xfrm>
             <a:off x="365760" y="731520"/>
-            <a:ext cx="8229600" cy="2430471"/>
+            <a:ext cx="8229600" cy="1344411"/>
           </a:xfrm>
           <a:prstGeom prst="rect">
             <a:avLst/>
@@ -4314,7 +4314,7 @@
         <p:spPr>
           <a:xfrm>
             <a:off x="365760" y="731520"/>
-            <a:ext cx="6115316" cy="5943600"/>
+            <a:ext cx="7272244" cy="5943600"/>
           </a:xfrm>
           <a:prstGeom prst="rect">
             <a:avLst/>
@@ -4391,7 +4391,7 @@
         <p:spPr>
           <a:xfrm>
             <a:off x="365760" y="731520"/>
-            <a:ext cx="8229600" cy="2538100"/>
+            <a:ext cx="8229600" cy="1749129"/>
           </a:xfrm>
           <a:prstGeom prst="rect">
             <a:avLst/>
@@ -4468,7 +4468,7 @@
         <p:spPr>
           <a:xfrm>
             <a:off x="365760" y="731520"/>
-            <a:ext cx="8229600" cy="3905250"/>
+            <a:ext cx="8229600" cy="2661849"/>
           </a:xfrm>
           <a:prstGeom prst="rect">
             <a:avLst/>
@@ -4545,7 +4545,7 @@
         <p:spPr>
           <a:xfrm>
             <a:off x="365760" y="731520"/>
-            <a:ext cx="8229600" cy="4386703"/>
+            <a:ext cx="8229600" cy="3046786"/>
           </a:xfrm>
           <a:prstGeom prst="rect">
             <a:avLst/>
@@ -4622,7 +4622,7 @@
         <p:spPr>
           <a:xfrm>
             <a:off x="365760" y="731520"/>
-            <a:ext cx="8229600" cy="5911248"/>
+            <a:ext cx="8229600" cy="3845912"/>
           </a:xfrm>
           <a:prstGeom prst="rect">
             <a:avLst/>
@@ -4699,7 +4699,7 @@
         <p:spPr>
           <a:xfrm>
             <a:off x="365760" y="731520"/>
-            <a:ext cx="8229600" cy="3746809"/>
+            <a:ext cx="8229600" cy="2553077"/>
           </a:xfrm>
           <a:prstGeom prst="rect">
             <a:avLst/>
@@ -4776,7 +4776,7 @@
         <p:spPr>
           <a:xfrm>
             <a:off x="365760" y="731520"/>
-            <a:ext cx="7907204" cy="5943600"/>
+            <a:ext cx="8229600" cy="5318005"/>
           </a:xfrm>
           <a:prstGeom prst="rect">
             <a:avLst/>
@@ -4853,7 +4853,7 @@
         <p:spPr>
           <a:xfrm>
             <a:off x="365760" y="731520"/>
-            <a:ext cx="8229600" cy="3841583"/>
+            <a:ext cx="8229600" cy="2460551"/>
           </a:xfrm>
           <a:prstGeom prst="rect">
             <a:avLst/>
@@ -4930,7 +4930,7 @@
         <p:spPr>
           <a:xfrm>
             <a:off x="365760" y="731520"/>
-            <a:ext cx="8229600" cy="4932194"/>
+            <a:ext cx="8229600" cy="3563654"/>
           </a:xfrm>
           <a:prstGeom prst="rect">
             <a:avLst/>
@@ -5007,7 +5007,7 @@
         <p:spPr>
           <a:xfrm>
             <a:off x="365760" y="731520"/>
-            <a:ext cx="6748192" cy="5943600"/>
+            <a:ext cx="8229600" cy="5512823"/>
           </a:xfrm>
           <a:prstGeom prst="rect">
             <a:avLst/>
@@ -5084,7 +5084,7 @@
         <p:spPr>
           <a:xfrm>
             <a:off x="365760" y="731520"/>
-            <a:ext cx="8229600" cy="2566765"/>
+            <a:ext cx="8229600" cy="1402177"/>
           </a:xfrm>
           <a:prstGeom prst="rect">
             <a:avLst/>
@@ -5161,7 +5161,7 @@
         <p:spPr>
           <a:xfrm>
             <a:off x="365760" y="731520"/>
-            <a:ext cx="8229600" cy="3977639"/>
+            <a:ext cx="8229600" cy="2556998"/>
           </a:xfrm>
           <a:prstGeom prst="rect">
             <a:avLst/>
@@ -5238,7 +5238,7 @@
         <p:spPr>
           <a:xfrm>
             <a:off x="365760" y="731520"/>
-            <a:ext cx="8229600" cy="4380858"/>
+            <a:ext cx="8229600" cy="3109276"/>
           </a:xfrm>
           <a:prstGeom prst="rect">
             <a:avLst/>
@@ -5315,7 +5315,7 @@
         <p:spPr>
           <a:xfrm>
             <a:off x="365760" y="731520"/>
-            <a:ext cx="8229600" cy="3576414"/>
+            <a:ext cx="8229600" cy="2743200"/>
           </a:xfrm>
           <a:prstGeom prst="rect">
             <a:avLst/>
@@ -5392,7 +5392,7 @@
         <p:spPr>
           <a:xfrm>
             <a:off x="365760" y="731520"/>
-            <a:ext cx="7050458" cy="5943600"/>
+            <a:ext cx="8229600" cy="5383681"/>
           </a:xfrm>
           <a:prstGeom prst="rect">
             <a:avLst/>
@@ -5469,7 +5469,7 @@
         <p:spPr>
           <a:xfrm>
             <a:off x="365760" y="731520"/>
-            <a:ext cx="8229600" cy="2741368"/>
+            <a:ext cx="8229600" cy="1955548"/>
           </a:xfrm>
           <a:prstGeom prst="rect">
             <a:avLst/>
@@ -5546,7 +5546,7 @@
         <p:spPr>
           <a:xfrm>
             <a:off x="365760" y="731520"/>
-            <a:ext cx="8229600" cy="4304999"/>
+            <a:ext cx="8229600" cy="2791878"/>
           </a:xfrm>
           <a:prstGeom prst="rect">
             <a:avLst/>
@@ -5623,7 +5623,7 @@
         <p:spPr>
           <a:xfrm>
             <a:off x="365760" y="731520"/>
-            <a:ext cx="8229600" cy="2598044"/>
+            <a:ext cx="8229600" cy="1414983"/>
           </a:xfrm>
           <a:prstGeom prst="rect">
             <a:avLst/>
@@ -5700,7 +5700,7 @@
         <p:spPr>
           <a:xfrm>
             <a:off x="365760" y="731520"/>
-            <a:ext cx="8229600" cy="4832755"/>
+            <a:ext cx="8229600" cy="3928277"/>
           </a:xfrm>
           <a:prstGeom prst="rect">
             <a:avLst/>
@@ -5777,7 +5777,7 @@
         <p:spPr>
           <a:xfrm>
             <a:off x="365760" y="731520"/>
-            <a:ext cx="8229600" cy="3402500"/>
+            <a:ext cx="8229600" cy="2246504"/>
           </a:xfrm>
           <a:prstGeom prst="rect">
             <a:avLst/>
@@ -5854,7 +5854,7 @@
         <p:spPr>
           <a:xfrm>
             <a:off x="365760" y="731520"/>
-            <a:ext cx="8229600" cy="2307364"/>
+            <a:ext cx="8229600" cy="1358019"/>
           </a:xfrm>
           <a:prstGeom prst="rect">
             <a:avLst/>
@@ -5931,7 +5931,7 @@
         <p:spPr>
           <a:xfrm>
             <a:off x="365760" y="731520"/>
-            <a:ext cx="8229600" cy="3635702"/>
+            <a:ext cx="8229600" cy="2411492"/>
           </a:xfrm>
           <a:prstGeom prst="rect">
             <a:avLst/>
@@ -6008,7 +6008,7 @@
         <p:spPr>
           <a:xfrm>
             <a:off x="365760" y="731520"/>
-            <a:ext cx="8229600" cy="2964872"/>
+            <a:ext cx="8229600" cy="2145671"/>
           </a:xfrm>
           <a:prstGeom prst="rect">
             <a:avLst/>
@@ -6085,7 +6085,7 @@
         <p:spPr>
           <a:xfrm>
             <a:off x="365760" y="731520"/>
-            <a:ext cx="8229600" cy="2137059"/>
+            <a:ext cx="8229600" cy="1358019"/>
           </a:xfrm>
           <a:prstGeom prst="rect">
             <a:avLst/>
@@ -6162,7 +6162,7 @@
         <p:spPr>
           <a:xfrm>
             <a:off x="365760" y="731520"/>
-            <a:ext cx="8229600" cy="4455410"/>
+            <a:ext cx="8229600" cy="3644925"/>
           </a:xfrm>
           <a:prstGeom prst="rect">
             <a:avLst/>
@@ -6239,7 +6239,7 @@
         <p:spPr>
           <a:xfrm>
             <a:off x="365760" y="731520"/>
-            <a:ext cx="8229600" cy="4126473"/>
+            <a:ext cx="8229600" cy="2493324"/>
           </a:xfrm>
           <a:prstGeom prst="rect">
             <a:avLst/>

--- a/ppts/5054_s12_qp_11_mcq.pptx
+++ b/ppts/5054_s12_qp_11_mcq.pptx
@@ -3236,7 +3236,7 @@
         <p:spPr>
           <a:xfrm>
             <a:off x="365760" y="731520"/>
-            <a:ext cx="8229600" cy="5622201"/>
+            <a:ext cx="8229600" cy="5687386"/>
           </a:xfrm>
           <a:prstGeom prst="rect">
             <a:avLst/>
@@ -3313,7 +3313,7 @@
         <p:spPr>
           <a:xfrm>
             <a:off x="365760" y="731520"/>
-            <a:ext cx="8229600" cy="1765425"/>
+            <a:ext cx="8229600" cy="2020733"/>
           </a:xfrm>
           <a:prstGeom prst="rect">
             <a:avLst/>
@@ -3390,7 +3390,7 @@
         <p:spPr>
           <a:xfrm>
             <a:off x="365760" y="731520"/>
-            <a:ext cx="8229600" cy="4400361"/>
+            <a:ext cx="8229600" cy="4465632"/>
           </a:xfrm>
           <a:prstGeom prst="rect">
             <a:avLst/>
@@ -3467,7 +3467,7 @@
         <p:spPr>
           <a:xfrm>
             <a:off x="365760" y="731520"/>
-            <a:ext cx="8229600" cy="5187635"/>
+            <a:ext cx="7554156" cy="5943600"/>
           </a:xfrm>
           <a:prstGeom prst="rect">
             <a:avLst/>
@@ -3544,7 +3544,7 @@
         <p:spPr>
           <a:xfrm>
             <a:off x="365760" y="731520"/>
-            <a:ext cx="8229600" cy="5231092"/>
+            <a:ext cx="8229600" cy="5301709"/>
           </a:xfrm>
           <a:prstGeom prst="rect">
             <a:avLst/>
@@ -3621,7 +3621,7 @@
         <p:spPr>
           <a:xfrm>
             <a:off x="365760" y="731520"/>
-            <a:ext cx="8229600" cy="3405913"/>
+            <a:ext cx="8229600" cy="5638498"/>
           </a:xfrm>
           <a:prstGeom prst="rect">
             <a:avLst/>
@@ -3698,7 +3698,7 @@
         <p:spPr>
           <a:xfrm>
             <a:off x="365760" y="731520"/>
-            <a:ext cx="8229600" cy="2145671"/>
+            <a:ext cx="8229600" cy="2210856"/>
           </a:xfrm>
           <a:prstGeom prst="rect">
             <a:avLst/>
@@ -3775,7 +3775,7 @@
         <p:spPr>
           <a:xfrm>
             <a:off x="365760" y="731520"/>
-            <a:ext cx="8229600" cy="4689987"/>
+            <a:ext cx="8229600" cy="4837470"/>
           </a:xfrm>
           <a:prstGeom prst="rect">
             <a:avLst/>
@@ -3852,7 +3852,7 @@
         <p:spPr>
           <a:xfrm>
             <a:off x="365760" y="731520"/>
-            <a:ext cx="8229600" cy="2258993"/>
+            <a:ext cx="8229600" cy="4831369"/>
           </a:xfrm>
           <a:prstGeom prst="rect">
             <a:avLst/>
@@ -3929,7 +3929,7 @@
         <p:spPr>
           <a:xfrm>
             <a:off x="365760" y="731520"/>
-            <a:ext cx="8229600" cy="2716039"/>
+            <a:ext cx="8229600" cy="2786656"/>
           </a:xfrm>
           <a:prstGeom prst="rect">
             <a:avLst/>
@@ -4006,7 +4006,7 @@
         <p:spPr>
           <a:xfrm>
             <a:off x="365760" y="731520"/>
-            <a:ext cx="8229600" cy="5441008"/>
+            <a:ext cx="8229600" cy="5571261"/>
           </a:xfrm>
           <a:prstGeom prst="rect">
             <a:avLst/>
@@ -4083,7 +4083,7 @@
         <p:spPr>
           <a:xfrm>
             <a:off x="365760" y="731520"/>
-            <a:ext cx="8229600" cy="3788608"/>
+            <a:ext cx="8229600" cy="3866415"/>
           </a:xfrm>
           <a:prstGeom prst="rect">
             <a:avLst/>
@@ -4160,7 +4160,7 @@
         <p:spPr>
           <a:xfrm>
             <a:off x="365760" y="731520"/>
-            <a:ext cx="8229600" cy="2352090"/>
+            <a:ext cx="8229600" cy="2471596"/>
           </a:xfrm>
           <a:prstGeom prst="rect">
             <a:avLst/>
@@ -4237,7 +4237,7 @@
         <p:spPr>
           <a:xfrm>
             <a:off x="365760" y="731520"/>
-            <a:ext cx="8229600" cy="1344411"/>
+            <a:ext cx="8229600" cy="2092557"/>
           </a:xfrm>
           <a:prstGeom prst="rect">
             <a:avLst/>
@@ -4314,7 +4314,7 @@
         <p:spPr>
           <a:xfrm>
             <a:off x="365760" y="731520"/>
-            <a:ext cx="7272244" cy="5943600"/>
+            <a:ext cx="7103479" cy="5943600"/>
           </a:xfrm>
           <a:prstGeom prst="rect">
             <a:avLst/>
@@ -4391,7 +4391,7 @@
         <p:spPr>
           <a:xfrm>
             <a:off x="365760" y="731520"/>
-            <a:ext cx="8229600" cy="1749129"/>
+            <a:ext cx="8229600" cy="1819746"/>
           </a:xfrm>
           <a:prstGeom prst="rect">
             <a:avLst/>
@@ -4468,7 +4468,7 @@
         <p:spPr>
           <a:xfrm>
             <a:off x="365760" y="731520"/>
-            <a:ext cx="8229600" cy="2661849"/>
+            <a:ext cx="8229600" cy="4069395"/>
           </a:xfrm>
           <a:prstGeom prst="rect">
             <a:avLst/>
@@ -4545,7 +4545,7 @@
         <p:spPr>
           <a:xfrm>
             <a:off x="365760" y="731520"/>
-            <a:ext cx="8229600" cy="3046786"/>
+            <a:ext cx="8229600" cy="3131965"/>
           </a:xfrm>
           <a:prstGeom prst="rect">
             <a:avLst/>
@@ -4622,7 +4622,7 @@
         <p:spPr>
           <a:xfrm>
             <a:off x="365760" y="731520"/>
-            <a:ext cx="8229600" cy="3845912"/>
+            <a:ext cx="8229600" cy="5149611"/>
           </a:xfrm>
           <a:prstGeom prst="rect">
             <a:avLst/>
@@ -4699,7 +4699,7 @@
         <p:spPr>
           <a:xfrm>
             <a:off x="365760" y="731520"/>
-            <a:ext cx="8229600" cy="2553077"/>
+            <a:ext cx="8229600" cy="3112581"/>
           </a:xfrm>
           <a:prstGeom prst="rect">
             <a:avLst/>
@@ -4776,7 +4776,7 @@
         <p:spPr>
           <a:xfrm>
             <a:off x="365760" y="731520"/>
-            <a:ext cx="8229600" cy="5318005"/>
+            <a:ext cx="8229600" cy="5421215"/>
           </a:xfrm>
           <a:prstGeom prst="rect">
             <a:avLst/>
@@ -4853,7 +4853,7 @@
         <p:spPr>
           <a:xfrm>
             <a:off x="365760" y="731520"/>
-            <a:ext cx="8229600" cy="2460551"/>
+            <a:ext cx="8229600" cy="2551403"/>
           </a:xfrm>
           <a:prstGeom prst="rect">
             <a:avLst/>
@@ -4930,7 +4930,7 @@
         <p:spPr>
           <a:xfrm>
             <a:off x="365760" y="731520"/>
-            <a:ext cx="8229600" cy="3563654"/>
+            <a:ext cx="7694473" cy="5943600"/>
           </a:xfrm>
           <a:prstGeom prst="rect">
             <a:avLst/>
@@ -5007,7 +5007,7 @@
         <p:spPr>
           <a:xfrm>
             <a:off x="365760" y="731520"/>
-            <a:ext cx="8229600" cy="5512823"/>
+            <a:ext cx="8229600" cy="5685774"/>
           </a:xfrm>
           <a:prstGeom prst="rect">
             <a:avLst/>
@@ -5084,7 +5084,7 @@
         <p:spPr>
           <a:xfrm>
             <a:off x="365760" y="731520"/>
-            <a:ext cx="8229600" cy="1402177"/>
+            <a:ext cx="8229600" cy="1522509"/>
           </a:xfrm>
           <a:prstGeom prst="rect">
             <a:avLst/>
@@ -5161,7 +5161,7 @@
         <p:spPr>
           <a:xfrm>
             <a:off x="365760" y="731520"/>
-            <a:ext cx="8229600" cy="2556998"/>
+            <a:ext cx="8229600" cy="2651410"/>
           </a:xfrm>
           <a:prstGeom prst="rect">
             <a:avLst/>
@@ -5238,7 +5238,7 @@
         <p:spPr>
           <a:xfrm>
             <a:off x="365760" y="731520"/>
-            <a:ext cx="8229600" cy="3109276"/>
+            <a:ext cx="8229600" cy="4507025"/>
           </a:xfrm>
           <a:prstGeom prst="rect">
             <a:avLst/>
@@ -5315,7 +5315,7 @@
         <p:spPr>
           <a:xfrm>
             <a:off x="365760" y="731520"/>
-            <a:ext cx="8229600" cy="2743200"/>
+            <a:ext cx="8229600" cy="2846409"/>
           </a:xfrm>
           <a:prstGeom prst="rect">
             <a:avLst/>
@@ -5392,7 +5392,7 @@
         <p:spPr>
           <a:xfrm>
             <a:off x="365760" y="731520"/>
-            <a:ext cx="8229600" cy="5383681"/>
+            <a:ext cx="8229600" cy="5462230"/>
           </a:xfrm>
           <a:prstGeom prst="rect">
             <a:avLst/>
@@ -5469,7 +5469,7 @@
         <p:spPr>
           <a:xfrm>
             <a:off x="365760" y="731520"/>
-            <a:ext cx="8229600" cy="1955548"/>
+            <a:ext cx="8229600" cy="3101717"/>
           </a:xfrm>
           <a:prstGeom prst="rect">
             <a:avLst/>
@@ -5546,7 +5546,7 @@
         <p:spPr>
           <a:xfrm>
             <a:off x="365760" y="731520"/>
-            <a:ext cx="8229600" cy="2791878"/>
+            <a:ext cx="8229600" cy="2963686"/>
           </a:xfrm>
           <a:prstGeom prst="rect">
             <a:avLst/>
@@ -5623,7 +5623,7 @@
         <p:spPr>
           <a:xfrm>
             <a:off x="365760" y="731520"/>
-            <a:ext cx="8229600" cy="1414983"/>
+            <a:ext cx="8229600" cy="1501751"/>
           </a:xfrm>
           <a:prstGeom prst="rect">
             <a:avLst/>
@@ -5700,7 +5700,7 @@
         <p:spPr>
           <a:xfrm>
             <a:off x="365760" y="731520"/>
-            <a:ext cx="8229600" cy="3928277"/>
+            <a:ext cx="8229600" cy="4075234"/>
           </a:xfrm>
           <a:prstGeom prst="rect">
             <a:avLst/>
@@ -5777,7 +5777,7 @@
         <p:spPr>
           <a:xfrm>
             <a:off x="365760" y="731520"/>
-            <a:ext cx="8229600" cy="2246504"/>
+            <a:ext cx="8229600" cy="2360427"/>
           </a:xfrm>
           <a:prstGeom prst="rect">
             <a:avLst/>
@@ -5854,7 +5854,7 @@
         <p:spPr>
           <a:xfrm>
             <a:off x="365760" y="731520"/>
-            <a:ext cx="8229600" cy="1358019"/>
+            <a:ext cx="8229600" cy="5475535"/>
           </a:xfrm>
           <a:prstGeom prst="rect">
             <a:avLst/>
@@ -5931,7 +5931,7 @@
         <p:spPr>
           <a:xfrm>
             <a:off x="365760" y="731520"/>
-            <a:ext cx="8229600" cy="2411492"/>
+            <a:ext cx="8229600" cy="2484753"/>
           </a:xfrm>
           <a:prstGeom prst="rect">
             <a:avLst/>
@@ -6008,7 +6008,7 @@
         <p:spPr>
           <a:xfrm>
             <a:off x="365760" y="731520"/>
-            <a:ext cx="8229600" cy="2145671"/>
+            <a:ext cx="8229600" cy="2210856"/>
           </a:xfrm>
           <a:prstGeom prst="rect">
             <a:avLst/>
@@ -6085,7 +6085,7 @@
         <p:spPr>
           <a:xfrm>
             <a:off x="365760" y="731520"/>
-            <a:ext cx="8229600" cy="1358019"/>
+            <a:ext cx="8229600" cy="1423204"/>
           </a:xfrm>
           <a:prstGeom prst="rect">
             <a:avLst/>
@@ -6162,7 +6162,7 @@
         <p:spPr>
           <a:xfrm>
             <a:off x="365760" y="731520"/>
-            <a:ext cx="8229600" cy="3644925"/>
+            <a:ext cx="8229600" cy="4932327"/>
           </a:xfrm>
           <a:prstGeom prst="rect">
             <a:avLst/>
@@ -6239,7 +6239,7 @@
         <p:spPr>
           <a:xfrm>
             <a:off x="365760" y="731520"/>
-            <a:ext cx="8229600" cy="2493324"/>
+            <a:ext cx="8229600" cy="3150605"/>
           </a:xfrm>
           <a:prstGeom prst="rect">
             <a:avLst/>
